--- a/powerpoint.pptx
+++ b/powerpoint.pptx
@@ -113,6 +113,11 @@
       </a:defRPr>
     </a:lvl9pPr>
   </p:defaultTextStyle>
+  <p:extLst>
+    <p:ext uri="{EFAFB233-063F-42B5-8137-9DF3F51BA10A}">
+      <p15:sldGuideLst xmlns:p15="http://schemas.microsoft.com/office/powerpoint/2012/main"/>
+    </p:ext>
+  </p:extLst>
 </p:presentation>
 </file>
 
@@ -265,7 +270,7 @@
           <a:p>
             <a:fld id="{87AF6B5D-57A6-442C-BFAE-CF88CF73D5F1}" type="datetimeFigureOut">
               <a:rPr lang="en-DK" smtClean="0"/>
-              <a:t>15/10/2019</a:t>
+              <a:t>16/10/2019</a:t>
             </a:fld>
             <a:endParaRPr lang="en-DK"/>
           </a:p>
@@ -465,7 +470,7 @@
           <a:p>
             <a:fld id="{87AF6B5D-57A6-442C-BFAE-CF88CF73D5F1}" type="datetimeFigureOut">
               <a:rPr lang="en-DK" smtClean="0"/>
-              <a:t>15/10/2019</a:t>
+              <a:t>16/10/2019</a:t>
             </a:fld>
             <a:endParaRPr lang="en-DK"/>
           </a:p>
@@ -675,7 +680,7 @@
           <a:p>
             <a:fld id="{87AF6B5D-57A6-442C-BFAE-CF88CF73D5F1}" type="datetimeFigureOut">
               <a:rPr lang="en-DK" smtClean="0"/>
-              <a:t>15/10/2019</a:t>
+              <a:t>16/10/2019</a:t>
             </a:fld>
             <a:endParaRPr lang="en-DK"/>
           </a:p>
@@ -875,7 +880,7 @@
           <a:p>
             <a:fld id="{87AF6B5D-57A6-442C-BFAE-CF88CF73D5F1}" type="datetimeFigureOut">
               <a:rPr lang="en-DK" smtClean="0"/>
-              <a:t>15/10/2019</a:t>
+              <a:t>16/10/2019</a:t>
             </a:fld>
             <a:endParaRPr lang="en-DK"/>
           </a:p>
@@ -1151,7 +1156,7 @@
           <a:p>
             <a:fld id="{87AF6B5D-57A6-442C-BFAE-CF88CF73D5F1}" type="datetimeFigureOut">
               <a:rPr lang="en-DK" smtClean="0"/>
-              <a:t>15/10/2019</a:t>
+              <a:t>16/10/2019</a:t>
             </a:fld>
             <a:endParaRPr lang="en-DK"/>
           </a:p>
@@ -1419,7 +1424,7 @@
           <a:p>
             <a:fld id="{87AF6B5D-57A6-442C-BFAE-CF88CF73D5F1}" type="datetimeFigureOut">
               <a:rPr lang="en-DK" smtClean="0"/>
-              <a:t>15/10/2019</a:t>
+              <a:t>16/10/2019</a:t>
             </a:fld>
             <a:endParaRPr lang="en-DK"/>
           </a:p>
@@ -1834,7 +1839,7 @@
           <a:p>
             <a:fld id="{87AF6B5D-57A6-442C-BFAE-CF88CF73D5F1}" type="datetimeFigureOut">
               <a:rPr lang="en-DK" smtClean="0"/>
-              <a:t>15/10/2019</a:t>
+              <a:t>16/10/2019</a:t>
             </a:fld>
             <a:endParaRPr lang="en-DK"/>
           </a:p>
@@ -1976,7 +1981,7 @@
           <a:p>
             <a:fld id="{87AF6B5D-57A6-442C-BFAE-CF88CF73D5F1}" type="datetimeFigureOut">
               <a:rPr lang="en-DK" smtClean="0"/>
-              <a:t>15/10/2019</a:t>
+              <a:t>16/10/2019</a:t>
             </a:fld>
             <a:endParaRPr lang="en-DK"/>
           </a:p>
@@ -2089,7 +2094,7 @@
           <a:p>
             <a:fld id="{87AF6B5D-57A6-442C-BFAE-CF88CF73D5F1}" type="datetimeFigureOut">
               <a:rPr lang="en-DK" smtClean="0"/>
-              <a:t>15/10/2019</a:t>
+              <a:t>16/10/2019</a:t>
             </a:fld>
             <a:endParaRPr lang="en-DK"/>
           </a:p>
@@ -2402,7 +2407,7 @@
           <a:p>
             <a:fld id="{87AF6B5D-57A6-442C-BFAE-CF88CF73D5F1}" type="datetimeFigureOut">
               <a:rPr lang="en-DK" smtClean="0"/>
-              <a:t>15/10/2019</a:t>
+              <a:t>16/10/2019</a:t>
             </a:fld>
             <a:endParaRPr lang="en-DK"/>
           </a:p>
@@ -2691,7 +2696,7 @@
           <a:p>
             <a:fld id="{87AF6B5D-57A6-442C-BFAE-CF88CF73D5F1}" type="datetimeFigureOut">
               <a:rPr lang="en-DK" smtClean="0"/>
-              <a:t>15/10/2019</a:t>
+              <a:t>16/10/2019</a:t>
             </a:fld>
             <a:endParaRPr lang="en-DK"/>
           </a:p>
@@ -2934,7 +2939,7 @@
           <a:p>
             <a:fld id="{87AF6B5D-57A6-442C-BFAE-CF88CF73D5F1}" type="datetimeFigureOut">
               <a:rPr lang="en-DK" smtClean="0"/>
-              <a:t>15/10/2019</a:t>
+              <a:t>16/10/2019</a:t>
             </a:fld>
             <a:endParaRPr lang="en-DK"/>
           </a:p>
@@ -4010,19 +4015,11 @@
             </a:r>
             <a:r>
               <a:rPr lang="en-DK" dirty="0" err="1"/>
-              <a:t>løsninger</a:t>
-            </a:r>
-            <a:r>
-              <a:rPr lang="da-DK" dirty="0"/>
-              <a:t> (</a:t>
-            </a:r>
-            <a:r>
-              <a:rPr lang="da-DK" dirty="0" err="1"/>
-              <a:t>Scrum</a:t>
-            </a:r>
-            <a:r>
-              <a:rPr lang="da-DK" dirty="0"/>
-              <a:t>/XP)</a:t>
+              <a:t>løsninge</a:t>
+            </a:r>
+            <a:r>
+              <a:rPr lang="da-DK" dirty="0"/>
+              <a:t>r</a:t>
             </a:r>
             <a:endParaRPr lang="en-DK" dirty="0"/>
           </a:p>
@@ -4047,7 +4044,7 @@
         <p:spPr/>
         <p:txBody>
           <a:bodyPr>
-            <a:normAutofit lnSpcReduction="10000"/>
+            <a:normAutofit fontScale="85000" lnSpcReduction="20000"/>
           </a:bodyPr>
           <a:lstStyle/>
           <a:p>
@@ -4075,7 +4072,23 @@
             </a:r>
             <a:r>
               <a:rPr lang="da-DK" dirty="0"/>
-              <a:t> database.</a:t>
+              <a:t> database og have en </a:t>
+            </a:r>
+            <a:r>
+              <a:rPr lang="da-DK" dirty="0" err="1"/>
+              <a:t>MySql</a:t>
+            </a:r>
+            <a:r>
+              <a:rPr lang="da-DK" dirty="0"/>
+              <a:t> fil I vores projekt som altid indeholder default database indstillinger (så </a:t>
+            </a:r>
+            <a:r>
+              <a:rPr lang="da-DK" dirty="0" err="1"/>
+              <a:t>MySql</a:t>
+            </a:r>
+            <a:r>
+              <a:rPr lang="da-DK" dirty="0"/>
+              <a:t> nemt kan opsættes)</a:t>
             </a:r>
           </a:p>
           <a:p>
@@ -4118,9 +4131,33 @@
           <a:p>
             <a:r>
               <a:rPr lang="da-DK" dirty="0"/>
-              <a:t>Vi har brugt demo</a:t>
-            </a:r>
-            <a:endParaRPr lang="en-DK" dirty="0"/>
+              <a:t>Vi har valgt at genbruge en CRUD </a:t>
+            </a:r>
+            <a:r>
+              <a:rPr lang="da-DK" dirty="0" err="1"/>
+              <a:t>generic</a:t>
+            </a:r>
+            <a:r>
+              <a:rPr lang="da-DK" dirty="0"/>
+              <a:t> klasse der tidligere er lavet, så vores CRUD bliver ens artet</a:t>
+            </a:r>
+          </a:p>
+          <a:p>
+            <a:r>
+              <a:rPr lang="da-DK" dirty="0"/>
+              <a:t>Vi har valgt at der er en hård opdeling mellem </a:t>
+            </a:r>
+            <a:r>
+              <a:rPr lang="da-DK" dirty="0" err="1"/>
+              <a:t>admin</a:t>
+            </a:r>
+            <a:r>
+              <a:rPr lang="da-DK" dirty="0"/>
+              <a:t> del og ”bruger del”</a:t>
+            </a:r>
+          </a:p>
+          <a:p>
+            <a:endParaRPr lang="da-DK" dirty="0"/>
           </a:p>
         </p:txBody>
       </p:sp>

--- a/powerpoint.pptx
+++ b/powerpoint.pptx
@@ -270,7 +270,7 @@
           <a:p>
             <a:fld id="{87AF6B5D-57A6-442C-BFAE-CF88CF73D5F1}" type="datetimeFigureOut">
               <a:rPr lang="en-DK" smtClean="0"/>
-              <a:t>16/10/2019</a:t>
+              <a:t>17/10/2019</a:t>
             </a:fld>
             <a:endParaRPr lang="en-DK"/>
           </a:p>
@@ -470,7 +470,7 @@
           <a:p>
             <a:fld id="{87AF6B5D-57A6-442C-BFAE-CF88CF73D5F1}" type="datetimeFigureOut">
               <a:rPr lang="en-DK" smtClean="0"/>
-              <a:t>16/10/2019</a:t>
+              <a:t>17/10/2019</a:t>
             </a:fld>
             <a:endParaRPr lang="en-DK"/>
           </a:p>
@@ -680,7 +680,7 @@
           <a:p>
             <a:fld id="{87AF6B5D-57A6-442C-BFAE-CF88CF73D5F1}" type="datetimeFigureOut">
               <a:rPr lang="en-DK" smtClean="0"/>
-              <a:t>16/10/2019</a:t>
+              <a:t>17/10/2019</a:t>
             </a:fld>
             <a:endParaRPr lang="en-DK"/>
           </a:p>
@@ -880,7 +880,7 @@
           <a:p>
             <a:fld id="{87AF6B5D-57A6-442C-BFAE-CF88CF73D5F1}" type="datetimeFigureOut">
               <a:rPr lang="en-DK" smtClean="0"/>
-              <a:t>16/10/2019</a:t>
+              <a:t>17/10/2019</a:t>
             </a:fld>
             <a:endParaRPr lang="en-DK"/>
           </a:p>
@@ -1156,7 +1156,7 @@
           <a:p>
             <a:fld id="{87AF6B5D-57A6-442C-BFAE-CF88CF73D5F1}" type="datetimeFigureOut">
               <a:rPr lang="en-DK" smtClean="0"/>
-              <a:t>16/10/2019</a:t>
+              <a:t>17/10/2019</a:t>
             </a:fld>
             <a:endParaRPr lang="en-DK"/>
           </a:p>
@@ -1424,7 +1424,7 @@
           <a:p>
             <a:fld id="{87AF6B5D-57A6-442C-BFAE-CF88CF73D5F1}" type="datetimeFigureOut">
               <a:rPr lang="en-DK" smtClean="0"/>
-              <a:t>16/10/2019</a:t>
+              <a:t>17/10/2019</a:t>
             </a:fld>
             <a:endParaRPr lang="en-DK"/>
           </a:p>
@@ -1839,7 +1839,7 @@
           <a:p>
             <a:fld id="{87AF6B5D-57A6-442C-BFAE-CF88CF73D5F1}" type="datetimeFigureOut">
               <a:rPr lang="en-DK" smtClean="0"/>
-              <a:t>16/10/2019</a:t>
+              <a:t>17/10/2019</a:t>
             </a:fld>
             <a:endParaRPr lang="en-DK"/>
           </a:p>
@@ -1981,7 +1981,7 @@
           <a:p>
             <a:fld id="{87AF6B5D-57A6-442C-BFAE-CF88CF73D5F1}" type="datetimeFigureOut">
               <a:rPr lang="en-DK" smtClean="0"/>
-              <a:t>16/10/2019</a:t>
+              <a:t>17/10/2019</a:t>
             </a:fld>
             <a:endParaRPr lang="en-DK"/>
           </a:p>
@@ -2094,7 +2094,7 @@
           <a:p>
             <a:fld id="{87AF6B5D-57A6-442C-BFAE-CF88CF73D5F1}" type="datetimeFigureOut">
               <a:rPr lang="en-DK" smtClean="0"/>
-              <a:t>16/10/2019</a:t>
+              <a:t>17/10/2019</a:t>
             </a:fld>
             <a:endParaRPr lang="en-DK"/>
           </a:p>
@@ -2407,7 +2407,7 @@
           <a:p>
             <a:fld id="{87AF6B5D-57A6-442C-BFAE-CF88CF73D5F1}" type="datetimeFigureOut">
               <a:rPr lang="en-DK" smtClean="0"/>
-              <a:t>16/10/2019</a:t>
+              <a:t>17/10/2019</a:t>
             </a:fld>
             <a:endParaRPr lang="en-DK"/>
           </a:p>
@@ -2696,7 +2696,7 @@
           <a:p>
             <a:fld id="{87AF6B5D-57A6-442C-BFAE-CF88CF73D5F1}" type="datetimeFigureOut">
               <a:rPr lang="en-DK" smtClean="0"/>
-              <a:t>16/10/2019</a:t>
+              <a:t>17/10/2019</a:t>
             </a:fld>
             <a:endParaRPr lang="en-DK"/>
           </a:p>
@@ -2939,7 +2939,7 @@
           <a:p>
             <a:fld id="{87AF6B5D-57A6-442C-BFAE-CF88CF73D5F1}" type="datetimeFigureOut">
               <a:rPr lang="en-DK" smtClean="0"/>
-              <a:t>16/10/2019</a:t>
+              <a:t>17/10/2019</a:t>
             </a:fld>
             <a:endParaRPr lang="en-DK"/>
           </a:p>
@@ -3400,7 +3400,7 @@
         <p:spPr>
           <a:xfrm>
             <a:off x="4322020" y="3607266"/>
-            <a:ext cx="3547959" cy="369332"/>
+            <a:ext cx="4298164" cy="369332"/>
           </a:xfrm>
           <a:prstGeom prst="rect">
             <a:avLst/>
@@ -3415,12 +3415,162 @@
           <a:p>
             <a:r>
               <a:rPr lang="da-DK" dirty="0"/>
-              <a:t>Immanuel, Frederik, Rasmus og Isak</a:t>
+              <a:t>Immanuel, Frederik, Rasmus, Martin og Isak</a:t>
             </a:r>
             <a:endParaRPr lang="en-DK" dirty="0"/>
           </a:p>
         </p:txBody>
       </p:sp>
+      <p:pic>
+        <p:nvPicPr>
+          <p:cNvPr id="5" name="Picture 4">
+            <a:extLst>
+              <a:ext uri="{FF2B5EF4-FFF2-40B4-BE49-F238E27FC236}">
+                <a16:creationId xmlns:a16="http://schemas.microsoft.com/office/drawing/2014/main" id="{073995B3-38D8-4789-B83D-F099C29BA6E7}"/>
+              </a:ext>
+            </a:extLst>
+          </p:cNvPr>
+          <p:cNvPicPr>
+            <a:picLocks noChangeAspect="1"/>
+          </p:cNvPicPr>
+          <p:nvPr/>
+        </p:nvPicPr>
+        <p:blipFill>
+          <a:blip r:embed="rId2"/>
+          <a:stretch>
+            <a:fillRect/>
+          </a:stretch>
+        </p:blipFill>
+        <p:spPr>
+          <a:xfrm>
+            <a:off x="9199983" y="379184"/>
+            <a:ext cx="2478833" cy="3412748"/>
+          </a:xfrm>
+          <a:prstGeom prst="rect">
+            <a:avLst/>
+          </a:prstGeom>
+        </p:spPr>
+      </p:pic>
+      <p:pic>
+        <p:nvPicPr>
+          <p:cNvPr id="3" name="Picture 2">
+            <a:extLst>
+              <a:ext uri="{FF2B5EF4-FFF2-40B4-BE49-F238E27FC236}">
+                <a16:creationId xmlns:a16="http://schemas.microsoft.com/office/drawing/2014/main" id="{428FC92F-EAA7-4A15-8D85-BC6DB81A12E8}"/>
+              </a:ext>
+            </a:extLst>
+          </p:cNvPr>
+          <p:cNvPicPr>
+            <a:picLocks noChangeAspect="1"/>
+          </p:cNvPicPr>
+          <p:nvPr/>
+        </p:nvPicPr>
+        <p:blipFill>
+          <a:blip r:embed="rId3"/>
+          <a:stretch>
+            <a:fillRect/>
+          </a:stretch>
+        </p:blipFill>
+        <p:spPr>
+          <a:xfrm>
+            <a:off x="4322020" y="4137443"/>
+            <a:ext cx="1700645" cy="2341373"/>
+          </a:xfrm>
+          <a:prstGeom prst="rect">
+            <a:avLst/>
+          </a:prstGeom>
+        </p:spPr>
+      </p:pic>
+      <p:pic>
+        <p:nvPicPr>
+          <p:cNvPr id="6" name="Picture 5">
+            <a:extLst>
+              <a:ext uri="{FF2B5EF4-FFF2-40B4-BE49-F238E27FC236}">
+                <a16:creationId xmlns:a16="http://schemas.microsoft.com/office/drawing/2014/main" id="{83480966-424D-4C6B-B922-1422206BA4F3}"/>
+              </a:ext>
+            </a:extLst>
+          </p:cNvPr>
+          <p:cNvPicPr>
+            <a:picLocks noChangeAspect="1"/>
+          </p:cNvPicPr>
+          <p:nvPr/>
+        </p:nvPicPr>
+        <p:blipFill>
+          <a:blip r:embed="rId4"/>
+          <a:stretch>
+            <a:fillRect/>
+          </a:stretch>
+        </p:blipFill>
+        <p:spPr>
+          <a:xfrm>
+            <a:off x="1057468" y="2316163"/>
+            <a:ext cx="2490638" cy="3429000"/>
+          </a:xfrm>
+          <a:prstGeom prst="rect">
+            <a:avLst/>
+          </a:prstGeom>
+        </p:spPr>
+      </p:pic>
+      <p:pic>
+        <p:nvPicPr>
+          <p:cNvPr id="7" name="Picture 6">
+            <a:extLst>
+              <a:ext uri="{FF2B5EF4-FFF2-40B4-BE49-F238E27FC236}">
+                <a16:creationId xmlns:a16="http://schemas.microsoft.com/office/drawing/2014/main" id="{56451F26-9771-403E-8540-2E7D59B2D02B}"/>
+              </a:ext>
+            </a:extLst>
+          </p:cNvPr>
+          <p:cNvPicPr>
+            <a:picLocks noChangeAspect="1"/>
+          </p:cNvPicPr>
+          <p:nvPr/>
+        </p:nvPicPr>
+        <p:blipFill>
+          <a:blip r:embed="rId5"/>
+          <a:stretch>
+            <a:fillRect/>
+          </a:stretch>
+        </p:blipFill>
+        <p:spPr>
+          <a:xfrm>
+            <a:off x="7136291" y="4154173"/>
+            <a:ext cx="1734222" cy="2387600"/>
+          </a:xfrm>
+          <a:prstGeom prst="rect">
+            <a:avLst/>
+          </a:prstGeom>
+        </p:spPr>
+      </p:pic>
+      <p:pic>
+        <p:nvPicPr>
+          <p:cNvPr id="8" name="Picture 7">
+            <a:extLst>
+              <a:ext uri="{FF2B5EF4-FFF2-40B4-BE49-F238E27FC236}">
+                <a16:creationId xmlns:a16="http://schemas.microsoft.com/office/drawing/2014/main" id="{F2B667B9-23F7-4C36-BACC-DEF81B264CBA}"/>
+              </a:ext>
+            </a:extLst>
+          </p:cNvPr>
+          <p:cNvPicPr>
+            <a:picLocks noChangeAspect="1"/>
+          </p:cNvPicPr>
+          <p:nvPr/>
+        </p:nvPicPr>
+        <p:blipFill>
+          <a:blip r:embed="rId6"/>
+          <a:stretch>
+            <a:fillRect/>
+          </a:stretch>
+        </p:blipFill>
+        <p:spPr>
+          <a:xfrm>
+            <a:off x="4249711" y="96795"/>
+            <a:ext cx="1893147" cy="2599762"/>
+          </a:xfrm>
+          <a:prstGeom prst="rect">
+            <a:avLst/>
+          </a:prstGeom>
+        </p:spPr>
+      </p:pic>
     </p:spTree>
     <p:extLst>
       <p:ext uri="{BB962C8B-B14F-4D97-AF65-F5344CB8AC3E}">
@@ -3524,7 +3674,15 @@
             </a:r>
             <a:r>
               <a:rPr lang="en-DK" dirty="0"/>
-              <a:t> det, .... ) </a:t>
+              <a:t> det, .... )</a:t>
+            </a:r>
+            <a:r>
+              <a:rPr lang="da-DK" dirty="0"/>
+              <a:t> – MARTIN / RAS</a:t>
+            </a:r>
+            <a:r>
+              <a:rPr lang="en-DK" dirty="0"/>
+              <a:t> </a:t>
             </a:r>
           </a:p>
         </p:txBody>
@@ -3610,6 +3768,66 @@
           </a:p>
         </p:txBody>
       </p:sp>
+      <p:pic>
+        <p:nvPicPr>
+          <p:cNvPr id="4" name="Picture 3">
+            <a:extLst>
+              <a:ext uri="{FF2B5EF4-FFF2-40B4-BE49-F238E27FC236}">
+                <a16:creationId xmlns:a16="http://schemas.microsoft.com/office/drawing/2014/main" id="{3DD018FD-F877-4C1A-BA3E-E589F6C9E55C}"/>
+              </a:ext>
+            </a:extLst>
+          </p:cNvPr>
+          <p:cNvPicPr>
+            <a:picLocks noChangeAspect="1"/>
+          </p:cNvPicPr>
+          <p:nvPr/>
+        </p:nvPicPr>
+        <p:blipFill>
+          <a:blip r:embed="rId2"/>
+          <a:stretch>
+            <a:fillRect/>
+          </a:stretch>
+        </p:blipFill>
+        <p:spPr>
+          <a:xfrm>
+            <a:off x="11476653" y="-27194"/>
+            <a:ext cx="715347" cy="984858"/>
+          </a:xfrm>
+          <a:prstGeom prst="rect">
+            <a:avLst/>
+          </a:prstGeom>
+        </p:spPr>
+      </p:pic>
+      <p:pic>
+        <p:nvPicPr>
+          <p:cNvPr id="5" name="Picture 4">
+            <a:extLst>
+              <a:ext uri="{FF2B5EF4-FFF2-40B4-BE49-F238E27FC236}">
+                <a16:creationId xmlns:a16="http://schemas.microsoft.com/office/drawing/2014/main" id="{807DF212-C9AB-42FC-A34D-27DA4A88833B}"/>
+              </a:ext>
+            </a:extLst>
+          </p:cNvPr>
+          <p:cNvPicPr>
+            <a:picLocks noChangeAspect="1"/>
+          </p:cNvPicPr>
+          <p:nvPr/>
+        </p:nvPicPr>
+        <p:blipFill>
+          <a:blip r:embed="rId3"/>
+          <a:stretch>
+            <a:fillRect/>
+          </a:stretch>
+        </p:blipFill>
+        <p:spPr>
+          <a:xfrm>
+            <a:off x="10699879" y="-12506"/>
+            <a:ext cx="715347" cy="984858"/>
+          </a:xfrm>
+          <a:prstGeom prst="rect">
+            <a:avLst/>
+          </a:prstGeom>
+        </p:spPr>
+      </p:pic>
     </p:spTree>
     <p:extLst>
       <p:ext uri="{BB962C8B-B14F-4D97-AF65-F5344CB8AC3E}">
@@ -3663,7 +3881,7 @@
           <a:p>
             <a:r>
               <a:rPr lang="da-DK" dirty="0"/>
-              <a:t>Opgave</a:t>
+              <a:t>Opgave - ISAK</a:t>
             </a:r>
             <a:endParaRPr lang="en-DK" dirty="0"/>
           </a:p>
@@ -3703,6 +3921,36 @@
           </a:p>
         </p:txBody>
       </p:sp>
+      <p:pic>
+        <p:nvPicPr>
+          <p:cNvPr id="4" name="Picture 3">
+            <a:extLst>
+              <a:ext uri="{FF2B5EF4-FFF2-40B4-BE49-F238E27FC236}">
+                <a16:creationId xmlns:a16="http://schemas.microsoft.com/office/drawing/2014/main" id="{9EC375C9-4618-454A-BDB3-6C1DAE46FFB4}"/>
+              </a:ext>
+            </a:extLst>
+          </p:cNvPr>
+          <p:cNvPicPr>
+            <a:picLocks noChangeAspect="1"/>
+          </p:cNvPicPr>
+          <p:nvPr/>
+        </p:nvPicPr>
+        <p:blipFill>
+          <a:blip r:embed="rId2"/>
+          <a:stretch>
+            <a:fillRect/>
+          </a:stretch>
+        </p:blipFill>
+        <p:spPr>
+          <a:xfrm>
+            <a:off x="10960840" y="0"/>
+            <a:ext cx="1231159" cy="1690688"/>
+          </a:xfrm>
+          <a:prstGeom prst="rect">
+            <a:avLst/>
+          </a:prstGeom>
+        </p:spPr>
+      </p:pic>
     </p:spTree>
     <p:extLst>
       <p:ext uri="{BB962C8B-B14F-4D97-AF65-F5344CB8AC3E}">
@@ -3758,6 +4006,10 @@
               <a:rPr lang="da-DK" dirty="0" err="1"/>
               <a:t>Process</a:t>
             </a:r>
+            <a:r>
+              <a:rPr lang="da-DK" dirty="0"/>
+              <a:t> - Martin</a:t>
+            </a:r>
             <a:endParaRPr lang="en-DK" dirty="0"/>
           </a:p>
         </p:txBody>
@@ -3801,6 +4053,36 @@
           </a:p>
         </p:txBody>
       </p:sp>
+      <p:pic>
+        <p:nvPicPr>
+          <p:cNvPr id="4" name="Picture 3">
+            <a:extLst>
+              <a:ext uri="{FF2B5EF4-FFF2-40B4-BE49-F238E27FC236}">
+                <a16:creationId xmlns:a16="http://schemas.microsoft.com/office/drawing/2014/main" id="{6541DCC1-5859-41FE-B8BD-BC2D7B6CA69D}"/>
+              </a:ext>
+            </a:extLst>
+          </p:cNvPr>
+          <p:cNvPicPr>
+            <a:picLocks noChangeAspect="1"/>
+          </p:cNvPicPr>
+          <p:nvPr/>
+        </p:nvPicPr>
+        <p:blipFill>
+          <a:blip r:embed="rId2"/>
+          <a:stretch>
+            <a:fillRect/>
+          </a:stretch>
+        </p:blipFill>
+        <p:spPr>
+          <a:xfrm>
+            <a:off x="10748447" y="0"/>
+            <a:ext cx="1443553" cy="1987420"/>
+          </a:xfrm>
+          <a:prstGeom prst="rect">
+            <a:avLst/>
+          </a:prstGeom>
+        </p:spPr>
+      </p:pic>
     </p:spTree>
     <p:extLst>
       <p:ext uri="{BB962C8B-B14F-4D97-AF65-F5344CB8AC3E}">
@@ -3854,7 +4136,7 @@
           <a:p>
             <a:r>
               <a:rPr lang="da-DK" dirty="0"/>
-              <a:t>Problemer</a:t>
+              <a:t>Problemer - RASMUS</a:t>
             </a:r>
             <a:endParaRPr lang="en-DK" dirty="0"/>
           </a:p>
@@ -3942,6 +4224,36 @@
           </a:p>
         </p:txBody>
       </p:sp>
+      <p:pic>
+        <p:nvPicPr>
+          <p:cNvPr id="4" name="Picture 3">
+            <a:extLst>
+              <a:ext uri="{FF2B5EF4-FFF2-40B4-BE49-F238E27FC236}">
+                <a16:creationId xmlns:a16="http://schemas.microsoft.com/office/drawing/2014/main" id="{221FC910-7A0F-47C3-809F-ED03AB611365}"/>
+              </a:ext>
+            </a:extLst>
+          </p:cNvPr>
+          <p:cNvPicPr>
+            <a:picLocks noChangeAspect="1"/>
+          </p:cNvPicPr>
+          <p:nvPr/>
+        </p:nvPicPr>
+        <p:blipFill>
+          <a:blip r:embed="rId2"/>
+          <a:stretch>
+            <a:fillRect/>
+          </a:stretch>
+        </p:blipFill>
+        <p:spPr>
+          <a:xfrm>
+            <a:off x="10939224" y="0"/>
+            <a:ext cx="1252776" cy="1724767"/>
+          </a:xfrm>
+          <a:prstGeom prst="rect">
+            <a:avLst/>
+          </a:prstGeom>
+        </p:spPr>
+      </p:pic>
     </p:spTree>
     <p:extLst>
       <p:ext uri="{BB962C8B-B14F-4D97-AF65-F5344CB8AC3E}">
@@ -4019,7 +4331,7 @@
             </a:r>
             <a:r>
               <a:rPr lang="da-DK" dirty="0"/>
-              <a:t>r</a:t>
+              <a:t>r - IM</a:t>
             </a:r>
             <a:endParaRPr lang="en-DK" dirty="0"/>
           </a:p>
@@ -4161,6 +4473,36 @@
           </a:p>
         </p:txBody>
       </p:sp>
+      <p:pic>
+        <p:nvPicPr>
+          <p:cNvPr id="4" name="Picture 3">
+            <a:extLst>
+              <a:ext uri="{FF2B5EF4-FFF2-40B4-BE49-F238E27FC236}">
+                <a16:creationId xmlns:a16="http://schemas.microsoft.com/office/drawing/2014/main" id="{CC2B1DA9-69A2-40F0-AD45-980E97A3E871}"/>
+              </a:ext>
+            </a:extLst>
+          </p:cNvPr>
+          <p:cNvPicPr>
+            <a:picLocks noChangeAspect="1"/>
+          </p:cNvPicPr>
+          <p:nvPr/>
+        </p:nvPicPr>
+        <p:blipFill>
+          <a:blip r:embed="rId2"/>
+          <a:stretch>
+            <a:fillRect/>
+          </a:stretch>
+        </p:blipFill>
+        <p:spPr>
+          <a:xfrm>
+            <a:off x="10758196" y="4920"/>
+            <a:ext cx="1433804" cy="1973998"/>
+          </a:xfrm>
+          <a:prstGeom prst="rect">
+            <a:avLst/>
+          </a:prstGeom>
+        </p:spPr>
+      </p:pic>
     </p:spTree>
     <p:extLst>
       <p:ext uri="{BB962C8B-B14F-4D97-AF65-F5344CB8AC3E}">
@@ -4222,7 +4564,7 @@
             </a:r>
             <a:r>
               <a:rPr lang="da-DK" dirty="0"/>
-              <a:t> (kino opgave)</a:t>
+              <a:t> (kino opgave) - FRED</a:t>
             </a:r>
             <a:endParaRPr lang="en-DK" dirty="0"/>
           </a:p>
@@ -4263,6 +4605,36 @@
           </a:p>
         </p:txBody>
       </p:sp>
+      <p:pic>
+        <p:nvPicPr>
+          <p:cNvPr id="5" name="Picture 4">
+            <a:extLst>
+              <a:ext uri="{FF2B5EF4-FFF2-40B4-BE49-F238E27FC236}">
+                <a16:creationId xmlns:a16="http://schemas.microsoft.com/office/drawing/2014/main" id="{D31C46F7-4C22-4FFF-934B-95C159FEB23D}"/>
+              </a:ext>
+            </a:extLst>
+          </p:cNvPr>
+          <p:cNvPicPr>
+            <a:picLocks noChangeAspect="1"/>
+          </p:cNvPicPr>
+          <p:nvPr/>
+        </p:nvPicPr>
+        <p:blipFill>
+          <a:blip r:embed="rId2"/>
+          <a:stretch>
+            <a:fillRect/>
+          </a:stretch>
+        </p:blipFill>
+        <p:spPr>
+          <a:xfrm>
+            <a:off x="10967216" y="0"/>
+            <a:ext cx="1224784" cy="1686229"/>
+          </a:xfrm>
+          <a:prstGeom prst="rect">
+            <a:avLst/>
+          </a:prstGeom>
+        </p:spPr>
+      </p:pic>
     </p:spTree>
     <p:extLst>
       <p:ext uri="{BB962C8B-B14F-4D97-AF65-F5344CB8AC3E}">
@@ -4336,6 +4708,11 @@
               <a:rPr lang="en-DK" dirty="0"/>
               <a:t> Burndown chart</a:t>
             </a:r>
+            <a:r>
+              <a:rPr lang="da-DK" dirty="0"/>
+              <a:t> - IM</a:t>
+            </a:r>
+            <a:endParaRPr lang="en-DK" dirty="0"/>
           </a:p>
         </p:txBody>
       </p:sp>
@@ -4410,6 +4787,36 @@
           </a:p>
         </p:txBody>
       </p:sp>
+      <p:pic>
+        <p:nvPicPr>
+          <p:cNvPr id="4" name="Picture 3">
+            <a:extLst>
+              <a:ext uri="{FF2B5EF4-FFF2-40B4-BE49-F238E27FC236}">
+                <a16:creationId xmlns:a16="http://schemas.microsoft.com/office/drawing/2014/main" id="{ABFC180A-AFCD-4851-B126-DAA7C4051946}"/>
+              </a:ext>
+            </a:extLst>
+          </p:cNvPr>
+          <p:cNvPicPr>
+            <a:picLocks noChangeAspect="1"/>
+          </p:cNvPicPr>
+          <p:nvPr/>
+        </p:nvPicPr>
+        <p:blipFill>
+          <a:blip r:embed="rId2"/>
+          <a:stretch>
+            <a:fillRect/>
+          </a:stretch>
+        </p:blipFill>
+        <p:spPr>
+          <a:xfrm>
+            <a:off x="10758196" y="4920"/>
+            <a:ext cx="1433804" cy="1973998"/>
+          </a:xfrm>
+          <a:prstGeom prst="rect">
+            <a:avLst/>
+          </a:prstGeom>
+        </p:spPr>
+      </p:pic>
     </p:spTree>
     <p:extLst>
       <p:ext uri="{BB962C8B-B14F-4D97-AF65-F5344CB8AC3E}">
@@ -4487,8 +4894,13 @@
             </a:r>
             <a:r>
               <a:rPr lang="en-DK" dirty="0"/>
-              <a:t> for 'sprints'</a:t>
-            </a:r>
+              <a:t> for 'sprints’</a:t>
+            </a:r>
+            <a:r>
+              <a:rPr lang="da-DK" dirty="0"/>
+              <a:t> - IM</a:t>
+            </a:r>
+            <a:endParaRPr lang="en-DK" dirty="0"/>
           </a:p>
         </p:txBody>
       </p:sp>
@@ -4617,7 +5029,7 @@
             </a:r>
             <a:r>
               <a:rPr lang="da-DK" dirty="0"/>
-              <a:t> out” og story bliver revurderet for story.</a:t>
+              <a:t> out” og story bliver revurderet for storypoints.</a:t>
             </a:r>
           </a:p>
           <a:p>
@@ -4656,6 +5068,10 @@
               <a:rPr lang="da-DK" dirty="0" err="1"/>
               <a:t>owner</a:t>
             </a:r>
+            <a:r>
+              <a:rPr lang="da-DK" dirty="0"/>
+              <a:t>.</a:t>
+            </a:r>
             <a:endParaRPr lang="en-DK" dirty="0"/>
           </a:p>
           <a:p>
@@ -4663,6 +5079,36 @@
           </a:p>
         </p:txBody>
       </p:sp>
+      <p:pic>
+        <p:nvPicPr>
+          <p:cNvPr id="4" name="Picture 3">
+            <a:extLst>
+              <a:ext uri="{FF2B5EF4-FFF2-40B4-BE49-F238E27FC236}">
+                <a16:creationId xmlns:a16="http://schemas.microsoft.com/office/drawing/2014/main" id="{8F3F3982-B5E1-4D7D-93DE-58AD6F715D2A}"/>
+              </a:ext>
+            </a:extLst>
+          </p:cNvPr>
+          <p:cNvPicPr>
+            <a:picLocks noChangeAspect="1"/>
+          </p:cNvPicPr>
+          <p:nvPr/>
+        </p:nvPicPr>
+        <p:blipFill>
+          <a:blip r:embed="rId2"/>
+          <a:stretch>
+            <a:fillRect/>
+          </a:stretch>
+        </p:blipFill>
+        <p:spPr>
+          <a:xfrm>
+            <a:off x="10758196" y="4920"/>
+            <a:ext cx="1433804" cy="1973998"/>
+          </a:xfrm>
+          <a:prstGeom prst="rect">
+            <a:avLst/>
+          </a:prstGeom>
+        </p:spPr>
+      </p:pic>
     </p:spTree>
     <p:extLst>
       <p:ext uri="{BB962C8B-B14F-4D97-AF65-F5344CB8AC3E}">
@@ -4716,7 +5162,7 @@
           <a:p>
             <a:r>
               <a:rPr lang="da-DK" dirty="0"/>
-              <a:t>Visning af..</a:t>
+              <a:t>Visning af.. FRED OG ISAK</a:t>
             </a:r>
             <a:endParaRPr lang="en-DK" dirty="0"/>
           </a:p>
@@ -4766,6 +5212,66 @@
           </a:p>
         </p:txBody>
       </p:sp>
+      <p:pic>
+        <p:nvPicPr>
+          <p:cNvPr id="4" name="Picture 3">
+            <a:extLst>
+              <a:ext uri="{FF2B5EF4-FFF2-40B4-BE49-F238E27FC236}">
+                <a16:creationId xmlns:a16="http://schemas.microsoft.com/office/drawing/2014/main" id="{285F76A3-B93A-4366-A69C-D67C2F5CDBCA}"/>
+              </a:ext>
+            </a:extLst>
+          </p:cNvPr>
+          <p:cNvPicPr>
+            <a:picLocks noChangeAspect="1"/>
+          </p:cNvPicPr>
+          <p:nvPr/>
+        </p:nvPicPr>
+        <p:blipFill>
+          <a:blip r:embed="rId2"/>
+          <a:stretch>
+            <a:fillRect/>
+          </a:stretch>
+        </p:blipFill>
+        <p:spPr>
+          <a:xfrm>
+            <a:off x="10960840" y="0"/>
+            <a:ext cx="1231159" cy="1690688"/>
+          </a:xfrm>
+          <a:prstGeom prst="rect">
+            <a:avLst/>
+          </a:prstGeom>
+        </p:spPr>
+      </p:pic>
+      <p:pic>
+        <p:nvPicPr>
+          <p:cNvPr id="6" name="Picture 5">
+            <a:extLst>
+              <a:ext uri="{FF2B5EF4-FFF2-40B4-BE49-F238E27FC236}">
+                <a16:creationId xmlns:a16="http://schemas.microsoft.com/office/drawing/2014/main" id="{6FA2A611-0453-4347-A844-00B313ABD5A7}"/>
+              </a:ext>
+            </a:extLst>
+          </p:cNvPr>
+          <p:cNvPicPr>
+            <a:picLocks noChangeAspect="1"/>
+          </p:cNvPicPr>
+          <p:nvPr/>
+        </p:nvPicPr>
+        <p:blipFill>
+          <a:blip r:embed="rId3"/>
+          <a:stretch>
+            <a:fillRect/>
+          </a:stretch>
+        </p:blipFill>
+        <p:spPr>
+          <a:xfrm>
+            <a:off x="9650809" y="-4317"/>
+            <a:ext cx="1231159" cy="1695005"/>
+          </a:xfrm>
+          <a:prstGeom prst="rect">
+            <a:avLst/>
+          </a:prstGeom>
+        </p:spPr>
+      </p:pic>
     </p:spTree>
     <p:extLst>
       <p:ext uri="{BB962C8B-B14F-4D97-AF65-F5344CB8AC3E}">
